--- a/문서 관리/07. 유스케이스/07. 유스케이스(상담사).pptx
+++ b/문서 관리/07. 유스케이스/07. 유스케이스(상담사).pptx
@@ -2977,7 +2977,7 @@
         </p:nvSpPr>
         <p:spPr>
           <a:xfrm>
-            <a:off x="4512858" y="2955926"/>
+            <a:off x="3539477" y="2856720"/>
             <a:ext cx="1050536" cy="408398"/>
           </a:xfrm>
           <a:prstGeom prst="ellipse">
@@ -3021,8 +3021,8 @@
         </p:nvCxnSpPr>
         <p:spPr>
           <a:xfrm rot="10800000">
-            <a:off x="5563395" y="3160126"/>
-            <a:ext cx="472399" cy="236831"/>
+            <a:off x="4590013" y="3060919"/>
+            <a:ext cx="1422332" cy="76618"/>
           </a:xfrm>
           <a:prstGeom prst="curvedConnector3">
             <a:avLst/>
@@ -3098,9 +3098,9 @@
           <p:nvPr/>
         </p:nvCxnSpPr>
         <p:spPr>
-          <a:xfrm rot="16200000" flipV="1">
-            <a:off x="4635919" y="2553719"/>
-            <a:ext cx="385884" cy="418530"/>
+          <a:xfrm rot="5400000" flipH="1" flipV="1">
+            <a:off x="4198831" y="2435956"/>
+            <a:ext cx="286678" cy="554851"/>
           </a:xfrm>
           <a:prstGeom prst="curvedConnector3">
             <a:avLst>
@@ -3179,12 +3179,12 @@
         </p:nvCxnSpPr>
         <p:spPr>
           <a:xfrm rot="16200000" flipV="1">
-            <a:off x="3071285" y="1420314"/>
-            <a:ext cx="612270" cy="2578571"/>
+            <a:off x="2634197" y="1857402"/>
+            <a:ext cx="513064" cy="1605190"/>
           </a:xfrm>
           <a:prstGeom prst="curvedConnector3">
             <a:avLst>
-              <a:gd name="adj1" fmla="val 75796"/>
+              <a:gd name="adj1" fmla="val 50000"/>
             </a:avLst>
           </a:prstGeom>
           <a:ln>
@@ -3392,8 +3392,8 @@
         </p:nvCxnSpPr>
         <p:spPr>
           <a:xfrm flipV="1">
-            <a:off x="6486376" y="2436501"/>
-            <a:ext cx="1459941" cy="667134"/>
+            <a:off x="6532057" y="2618686"/>
+            <a:ext cx="1275922" cy="524809"/>
           </a:xfrm>
           <a:prstGeom prst="curvedConnector3">
             <a:avLst>
@@ -3818,7 +3818,7 @@
         </p:nvSpPr>
         <p:spPr>
           <a:xfrm>
-            <a:off x="7946317" y="2197253"/>
+            <a:off x="7807979" y="2379438"/>
             <a:ext cx="1074832" cy="478496"/>
           </a:xfrm>
           <a:prstGeom prst="ellipse">
@@ -4138,14 +4138,14 @@
         </p:nvCxnSpPr>
         <p:spPr>
           <a:xfrm rot="16200000" flipH="1">
-            <a:off x="7842078" y="583203"/>
-            <a:ext cx="364261" cy="5229324"/>
+            <a:off x="7305784" y="46910"/>
+            <a:ext cx="463467" cy="6202705"/>
           </a:xfrm>
           <a:prstGeom prst="curvedConnector5">
             <a:avLst>
-              <a:gd name="adj1" fmla="val -62757"/>
-              <a:gd name="adj2" fmla="val 40145"/>
-              <a:gd name="adj3" fmla="val 162757"/>
+              <a:gd name="adj1" fmla="val -49324"/>
+              <a:gd name="adj2" fmla="val 45131"/>
+              <a:gd name="adj3" fmla="val 121139"/>
             </a:avLst>
           </a:prstGeom>
           <a:ln>
@@ -4321,7 +4321,6 @@
               <a:rPr lang="ko-KR" altLang="en-US" sz="1100" dirty="0"/>
               <a:t>조회</a:t>
             </a:r>
-            <a:endParaRPr lang="ko-KR" altLang="en-US" sz="1100" dirty="0"/>
           </a:p>
         </p:txBody>
       </p:sp>
@@ -4371,7 +4370,6 @@
               <a:rPr lang="ko-KR" altLang="en-US" sz="1100" dirty="0"/>
               <a:t>상담 확인</a:t>
             </a:r>
-            <a:endParaRPr lang="ko-KR" altLang="en-US" sz="1100" dirty="0"/>
           </a:p>
         </p:txBody>
       </p:sp>
@@ -4524,7 +4522,6 @@
               <a:rPr lang="ko-KR" altLang="en-US" sz="1100" dirty="0"/>
               <a:t>결과 조회</a:t>
             </a:r>
-            <a:endParaRPr lang="ko-KR" altLang="en-US" sz="1100" dirty="0"/>
           </a:p>
         </p:txBody>
       </p:sp>
@@ -4992,8 +4989,8 @@
         </p:nvCxnSpPr>
         <p:spPr>
           <a:xfrm rot="10800000" flipV="1">
-            <a:off x="2586314" y="3160125"/>
-            <a:ext cx="1926544" cy="464520"/>
+            <a:off x="2586315" y="3060919"/>
+            <a:ext cx="953163" cy="563726"/>
           </a:xfrm>
           <a:prstGeom prst="curvedConnector3">
             <a:avLst>
@@ -5239,8 +5236,8 @@
         </p:nvCxnSpPr>
         <p:spPr>
           <a:xfrm rot="10800000" flipV="1">
-            <a:off x="4242433" y="3541306"/>
-            <a:ext cx="1850647" cy="448926"/>
+            <a:off x="4242433" y="3700144"/>
+            <a:ext cx="1711897" cy="290087"/>
           </a:xfrm>
           <a:prstGeom prst="curvedConnector2">
             <a:avLst/>
@@ -6990,11 +6987,7 @@
             <a:pPr algn="ctr"/>
             <a:r>
               <a:rPr lang="ko-KR" altLang="en-US" sz="1100" dirty="0" smtClean="0"/>
-              <a:t>위치 </a:t>
-            </a:r>
-            <a:r>
-              <a:rPr lang="ko-KR" altLang="en-US" sz="1100" dirty="0" smtClean="0"/>
-              <a:t>정보 조회</a:t>
+              <a:t>위치 정보 조회</a:t>
             </a:r>
             <a:endParaRPr lang="ko-KR" altLang="en-US" sz="1100" dirty="0"/>
           </a:p>
@@ -7040,6 +7033,125 @@
           </a:fillRef>
           <a:effectRef idx="0">
             <a:scrgbClr r="0" g="0" b="0"/>
+          </a:effectRef>
+          <a:fontRef idx="minor">
+            <a:schemeClr val="tx1"/>
+          </a:fontRef>
+        </p:style>
+      </p:cxnSp>
+      <p:sp>
+        <p:nvSpPr>
+          <p:cNvPr id="106" name="타원 105"/>
+          <p:cNvSpPr/>
+          <p:nvPr/>
+        </p:nvSpPr>
+        <p:spPr>
+          <a:xfrm>
+            <a:off x="4472204" y="3257014"/>
+            <a:ext cx="1050536" cy="408398"/>
+          </a:xfrm>
+          <a:prstGeom prst="ellipse">
+            <a:avLst/>
+          </a:prstGeom>
+        </p:spPr>
+        <p:style>
+          <a:lnRef idx="2">
+            <a:schemeClr val="dk1"/>
+          </a:lnRef>
+          <a:fillRef idx="1">
+            <a:schemeClr val="lt1"/>
+          </a:fillRef>
+          <a:effectRef idx="0">
+            <a:schemeClr val="dk1"/>
+          </a:effectRef>
+          <a:fontRef idx="minor">
+            <a:schemeClr val="dk1"/>
+          </a:fontRef>
+        </p:style>
+        <p:txBody>
+          <a:bodyPr rtlCol="0" anchor="ctr"/>
+          <a:lstStyle/>
+          <a:p>
+            <a:pPr algn="ctr"/>
+            <a:r>
+              <a:rPr lang="en-US" altLang="ko-KR" sz="1100" dirty="0" smtClean="0"/>
+              <a:t>ID/PW </a:t>
+            </a:r>
+            <a:r>
+              <a:rPr lang="ko-KR" altLang="en-US" sz="1100" dirty="0" smtClean="0"/>
+              <a:t>찾기</a:t>
+            </a:r>
+            <a:endParaRPr lang="ko-KR" altLang="en-US" sz="1100" dirty="0"/>
+          </a:p>
+        </p:txBody>
+      </p:sp>
+      <p:cxnSp>
+        <p:nvCxnSpPr>
+          <p:cNvPr id="107" name="구부러진 연결선 106"/>
+          <p:cNvCxnSpPr>
+            <a:endCxn id="106" idx="6"/>
+          </p:cNvCxnSpPr>
+          <p:nvPr/>
+        </p:nvCxnSpPr>
+        <p:spPr>
+          <a:xfrm rot="10800000" flipV="1">
+            <a:off x="5522740" y="3316149"/>
+            <a:ext cx="475460" cy="145064"/>
+          </a:xfrm>
+          <a:prstGeom prst="curvedConnector3">
+            <a:avLst>
+              <a:gd name="adj1" fmla="val 50000"/>
+            </a:avLst>
+          </a:prstGeom>
+          <a:ln>
+            <a:tailEnd type="triangle"/>
+          </a:ln>
+        </p:spPr>
+        <p:style>
+          <a:lnRef idx="3">
+            <a:schemeClr val="dk1"/>
+          </a:lnRef>
+          <a:fillRef idx="0">
+            <a:schemeClr val="dk1"/>
+          </a:fillRef>
+          <a:effectRef idx="2">
+            <a:schemeClr val="dk1"/>
+          </a:effectRef>
+          <a:fontRef idx="minor">
+            <a:schemeClr val="tx1"/>
+          </a:fontRef>
+        </p:style>
+      </p:cxnSp>
+      <p:cxnSp>
+        <p:nvCxnSpPr>
+          <p:cNvPr id="108" name="구부러진 연결선 107"/>
+          <p:cNvCxnSpPr>
+            <a:stCxn id="106" idx="2"/>
+            <a:endCxn id="24" idx="4"/>
+          </p:cNvCxnSpPr>
+          <p:nvPr/>
+        </p:nvCxnSpPr>
+        <p:spPr>
+          <a:xfrm rot="10800000">
+            <a:off x="4064746" y="3265119"/>
+            <a:ext cx="407459" cy="196095"/>
+          </a:xfrm>
+          <a:prstGeom prst="curvedConnector2">
+            <a:avLst/>
+          </a:prstGeom>
+          <a:ln>
+            <a:tailEnd type="triangle"/>
+          </a:ln>
+        </p:spPr>
+        <p:style>
+          <a:lnRef idx="3">
+            <a:schemeClr val="dk1"/>
+          </a:lnRef>
+          <a:fillRef idx="0">
+            <a:schemeClr val="dk1"/>
+          </a:fillRef>
+          <a:effectRef idx="2">
+            <a:schemeClr val="dk1"/>
           </a:effectRef>
           <a:fontRef idx="minor">
             <a:schemeClr val="tx1"/>
